--- a/presentations/railsconf/2017/reporting_on_rails.pptx
+++ b/presentations/railsconf/2017/reporting_on_rails.pptx
@@ -238,7 +238,7 @@
           <a:p>
             <a:fld id="{E18864BC-3F83-194B-8291-5A25597A9563}" type="datetimeFigureOut">
               <a:rPr lang="en-US" smtClean="0"/>
-              <a:t>4/22/17</a:t>
+              <a:t>4/25/17</a:t>
             </a:fld>
             <a:endParaRPr lang="en-US"/>
           </a:p>
@@ -403,7 +403,7 @@
           <a:p>
             <a:fld id="{83E7C617-CD75-1346-B314-03A29C3CAA7B}" type="datetimeFigureOut">
               <a:rPr lang="en-US" smtClean="0"/>
-              <a:t>4/22/17</a:t>
+              <a:t>4/25/17</a:t>
             </a:fld>
             <a:endParaRPr lang="en-US"/>
           </a:p>
@@ -889,7 +889,13 @@
             </a:r>
             <a:r>
               <a:rPr lang="en-US" baseline="0" dirty="0" smtClean="0"/>
-              <a:t> Will relate them to SQL and Rails terms.</a:t>
+              <a:t> Will relate them to SQL and Rails terms. </a:t>
+            </a:r>
+          </a:p>
+          <a:p>
+            <a:r>
+              <a:rPr lang="en-US" baseline="0" dirty="0" smtClean="0"/>
+              <a:t>Convert the Question to OLAP to SQL.</a:t>
             </a:r>
             <a:endParaRPr lang="en-US" dirty="0"/>
           </a:p>
@@ -3847,7 +3853,15 @@
           <a:bodyPr/>
           <a:lstStyle/>
           <a:p>
-            <a:endParaRPr lang="en-US"/>
+            <a:r>
+              <a:rPr lang="en-US" dirty="0" smtClean="0"/>
+              <a:t>Get questions up front. If you don’t know what you’re</a:t>
+            </a:r>
+            <a:r>
+              <a:rPr lang="en-US" baseline="0" dirty="0" smtClean="0"/>
+              <a:t> asking, you’re throwing spaghetti at the wall and possibly not delivering useless information to the user.</a:t>
+            </a:r>
+            <a:endParaRPr lang="en-US" dirty="0"/>
           </a:p>
         </p:txBody>
       </p:sp>
@@ -3943,7 +3957,13 @@
           <a:p>
             <a:r>
               <a:rPr lang="en-US" baseline="0" dirty="0" smtClean="0"/>
-              <a:t>Focuses on prebuild counts, averages, etc.</a:t>
+              <a:t>Focuses on prebuild counts, averages, etc. </a:t>
+            </a:r>
+          </a:p>
+          <a:p>
+            <a:r>
+              <a:rPr lang="en-US" baseline="0" dirty="0" smtClean="0"/>
+              <a:t>Oracle and MS provide OLAP modules for their database products. ($$$)</a:t>
             </a:r>
             <a:endParaRPr lang="en-US" dirty="0"/>
           </a:p>
@@ -4116,7 +4136,7 @@
           <a:p>
             <a:fld id="{F5C83B3B-F4D8-A846-95D1-49CF927F713A}" type="datetimeFigureOut">
               <a:rPr lang="en-US" smtClean="0"/>
-              <a:t>4/22/17</a:t>
+              <a:t>4/25/17</a:t>
             </a:fld>
             <a:endParaRPr lang="en-US"/>
           </a:p>
@@ -4286,7 +4306,7 @@
           <a:p>
             <a:fld id="{F5C83B3B-F4D8-A846-95D1-49CF927F713A}" type="datetimeFigureOut">
               <a:rPr lang="en-US" smtClean="0"/>
-              <a:t>4/22/17</a:t>
+              <a:t>4/25/17</a:t>
             </a:fld>
             <a:endParaRPr lang="en-US"/>
           </a:p>
@@ -4466,7 +4486,7 @@
           <a:p>
             <a:fld id="{F5C83B3B-F4D8-A846-95D1-49CF927F713A}" type="datetimeFigureOut">
               <a:rPr lang="en-US" smtClean="0"/>
-              <a:t>4/22/17</a:t>
+              <a:t>4/25/17</a:t>
             </a:fld>
             <a:endParaRPr lang="en-US"/>
           </a:p>
@@ -4636,7 +4656,7 @@
           <a:p>
             <a:fld id="{F5C83B3B-F4D8-A846-95D1-49CF927F713A}" type="datetimeFigureOut">
               <a:rPr lang="en-US" smtClean="0"/>
-              <a:t>4/22/17</a:t>
+              <a:t>4/25/17</a:t>
             </a:fld>
             <a:endParaRPr lang="en-US"/>
           </a:p>
@@ -4882,7 +4902,7 @@
           <a:p>
             <a:fld id="{F5C83B3B-F4D8-A846-95D1-49CF927F713A}" type="datetimeFigureOut">
               <a:rPr lang="en-US" smtClean="0"/>
-              <a:t>4/22/17</a:t>
+              <a:t>4/25/17</a:t>
             </a:fld>
             <a:endParaRPr lang="en-US"/>
           </a:p>
@@ -5114,7 +5134,7 @@
           <a:p>
             <a:fld id="{F5C83B3B-F4D8-A846-95D1-49CF927F713A}" type="datetimeFigureOut">
               <a:rPr lang="en-US" smtClean="0"/>
-              <a:t>4/22/17</a:t>
+              <a:t>4/25/17</a:t>
             </a:fld>
             <a:endParaRPr lang="en-US"/>
           </a:p>
@@ -5481,7 +5501,7 @@
           <a:p>
             <a:fld id="{F5C83B3B-F4D8-A846-95D1-49CF927F713A}" type="datetimeFigureOut">
               <a:rPr lang="en-US" smtClean="0"/>
-              <a:t>4/22/17</a:t>
+              <a:t>4/25/17</a:t>
             </a:fld>
             <a:endParaRPr lang="en-US"/>
           </a:p>
@@ -5599,7 +5619,7 @@
           <a:p>
             <a:fld id="{F5C83B3B-F4D8-A846-95D1-49CF927F713A}" type="datetimeFigureOut">
               <a:rPr lang="en-US" smtClean="0"/>
-              <a:t>4/22/17</a:t>
+              <a:t>4/25/17</a:t>
             </a:fld>
             <a:endParaRPr lang="en-US"/>
           </a:p>
@@ -5694,7 +5714,7 @@
           <a:p>
             <a:fld id="{F5C83B3B-F4D8-A846-95D1-49CF927F713A}" type="datetimeFigureOut">
               <a:rPr lang="en-US" smtClean="0"/>
-              <a:t>4/22/17</a:t>
+              <a:t>4/25/17</a:t>
             </a:fld>
             <a:endParaRPr lang="en-US"/>
           </a:p>
@@ -5971,7 +5991,7 @@
           <a:p>
             <a:fld id="{F5C83B3B-F4D8-A846-95D1-49CF927F713A}" type="datetimeFigureOut">
               <a:rPr lang="en-US" smtClean="0"/>
-              <a:t>4/22/17</a:t>
+              <a:t>4/25/17</a:t>
             </a:fld>
             <a:endParaRPr lang="en-US"/>
           </a:p>
@@ -6224,7 +6244,7 @@
           <a:p>
             <a:fld id="{F5C83B3B-F4D8-A846-95D1-49CF927F713A}" type="datetimeFigureOut">
               <a:rPr lang="en-US" smtClean="0"/>
-              <a:t>4/22/17</a:t>
+              <a:t>4/25/17</a:t>
             </a:fld>
             <a:endParaRPr lang="en-US"/>
           </a:p>
@@ -6437,7 +6457,7 @@
           <a:p>
             <a:fld id="{F5C83B3B-F4D8-A846-95D1-49CF927F713A}" type="datetimeFigureOut">
               <a:rPr lang="en-US" smtClean="0"/>
-              <a:t>4/22/17</a:t>
+              <a:t>4/25/17</a:t>
             </a:fld>
             <a:endParaRPr lang="en-US"/>
           </a:p>
@@ -7094,7 +7114,7 @@
           <a:p>
             <a:r>
               <a:rPr lang="en-US" dirty="0" smtClean="0"/>
-              <a:t>Terminology</a:t>
+              <a:t>OLAP Terminology</a:t>
             </a:r>
             <a:endParaRPr lang="en-US" dirty="0"/>
           </a:p>
@@ -18506,26 +18526,6 @@
               <a:rPr lang="en-US" dirty="0" err="1" smtClean="0"/>
               <a:t>FactModel</a:t>
             </a:r>
-            <a:endParaRPr lang="en-US" dirty="0"/>
-          </a:p>
-          <a:p>
-            <a:pPr marL="0" marR="0" lvl="0" indent="0" defTabSz="914400" eaLnBrk="1" fontAlgn="auto" latinLnBrk="0" hangingPunct="1">
-              <a:lnSpc>
-                <a:spcPct val="100000"/>
-              </a:lnSpc>
-              <a:spcBef>
-                <a:spcPts val="0"/>
-              </a:spcBef>
-              <a:spcAft>
-                <a:spcPts val="0"/>
-              </a:spcAft>
-              <a:buClrTx/>
-              <a:buSzTx/>
-              <a:buFontTx/>
-              <a:buNone/>
-              <a:tabLst/>
-              <a:defRPr/>
-            </a:pPr>
             <a:endParaRPr lang="en-US" dirty="0" smtClean="0"/>
           </a:p>
           <a:p>
@@ -18586,7 +18586,7 @@
         </p:nvSpPr>
         <p:spPr>
           <a:xfrm>
-            <a:off x="6003235" y="3432313"/>
+            <a:off x="6003235" y="3804846"/>
             <a:ext cx="5350565" cy="2744650"/>
           </a:xfrm>
         </p:spPr>
@@ -18627,26 +18627,6 @@
               <a:rPr lang="en-US" dirty="0" smtClean="0"/>
               <a:t>::Base</a:t>
             </a:r>
-          </a:p>
-          <a:p>
-            <a:pPr marL="0" marR="0" lvl="0" indent="0" defTabSz="914400" eaLnBrk="1" fontAlgn="auto" latinLnBrk="0" hangingPunct="1">
-              <a:lnSpc>
-                <a:spcPct val="100000"/>
-              </a:lnSpc>
-              <a:spcBef>
-                <a:spcPts val="0"/>
-              </a:spcBef>
-              <a:spcAft>
-                <a:spcPts val="0"/>
-              </a:spcAft>
-              <a:buClrTx/>
-              <a:buSzTx/>
-              <a:buFontTx/>
-              <a:buNone/>
-              <a:tabLst/>
-              <a:defRPr/>
-            </a:pPr>
-            <a:endParaRPr lang="en-US" dirty="0"/>
           </a:p>
           <a:p>
             <a:pPr marL="0" marR="0" lvl="0" indent="0" defTabSz="914400" eaLnBrk="1" fontAlgn="auto" latinLnBrk="0" hangingPunct="1">
@@ -22880,11 +22860,7 @@
           <a:p>
             <a:r>
               <a:rPr lang="en-US" dirty="0" smtClean="0"/>
-              <a:t>Shard or schema </a:t>
-            </a:r>
-            <a:r>
-              <a:rPr lang="en-US" dirty="0" smtClean="0"/>
-              <a:t>separation</a:t>
+              <a:t>Shard or schema separation</a:t>
             </a:r>
           </a:p>
         </p:txBody>

--- a/presentations/railsconf/2017/reporting_on_rails.pptx
+++ b/presentations/railsconf/2017/reporting_on_rails.pptx
@@ -238,7 +238,7 @@
           <a:p>
             <a:fld id="{E18864BC-3F83-194B-8291-5A25597A9563}" type="datetimeFigureOut">
               <a:rPr lang="en-US" smtClean="0"/>
-              <a:t>4/25/17</a:t>
+              <a:t>4/26/17</a:t>
             </a:fld>
             <a:endParaRPr lang="en-US"/>
           </a:p>
@@ -403,7 +403,7 @@
           <a:p>
             <a:fld id="{83E7C617-CD75-1346-B314-03A29C3CAA7B}" type="datetimeFigureOut">
               <a:rPr lang="en-US" smtClean="0"/>
-              <a:t>4/25/17</a:t>
+              <a:t>4/26/17</a:t>
             </a:fld>
             <a:endParaRPr lang="en-US"/>
           </a:p>
@@ -2287,16 +2287,16 @@
               <a:t>Switch your application to </a:t>
             </a:r>
             <a:r>
-              <a:rPr lang="en-US" dirty="0" err="1" smtClean="0"/>
-              <a:t>squeel</a:t>
-            </a:r>
-            <a:r>
-              <a:rPr lang="en-US" dirty="0" smtClean="0"/>
-              <a:t>?</a:t>
+              <a:rPr lang="en-US" dirty="0" smtClean="0"/>
+              <a:t>sequel?</a:t>
             </a:r>
             <a:r>
               <a:rPr lang="en-US" baseline="0" dirty="0" smtClean="0"/>
-              <a:t> - </a:t>
+              <a:t> </a:t>
+            </a:r>
+            <a:r>
+              <a:rPr lang="en-US" baseline="0" dirty="0" smtClean="0"/>
+              <a:t>- </a:t>
             </a:r>
             <a:r>
               <a:rPr lang="en-US" dirty="0" smtClean="0"/>
@@ -4136,7 +4136,7 @@
           <a:p>
             <a:fld id="{F5C83B3B-F4D8-A846-95D1-49CF927F713A}" type="datetimeFigureOut">
               <a:rPr lang="en-US" smtClean="0"/>
-              <a:t>4/25/17</a:t>
+              <a:t>4/26/17</a:t>
             </a:fld>
             <a:endParaRPr lang="en-US"/>
           </a:p>
@@ -4306,7 +4306,7 @@
           <a:p>
             <a:fld id="{F5C83B3B-F4D8-A846-95D1-49CF927F713A}" type="datetimeFigureOut">
               <a:rPr lang="en-US" smtClean="0"/>
-              <a:t>4/25/17</a:t>
+              <a:t>4/26/17</a:t>
             </a:fld>
             <a:endParaRPr lang="en-US"/>
           </a:p>
@@ -4486,7 +4486,7 @@
           <a:p>
             <a:fld id="{F5C83B3B-F4D8-A846-95D1-49CF927F713A}" type="datetimeFigureOut">
               <a:rPr lang="en-US" smtClean="0"/>
-              <a:t>4/25/17</a:t>
+              <a:t>4/26/17</a:t>
             </a:fld>
             <a:endParaRPr lang="en-US"/>
           </a:p>
@@ -4656,7 +4656,7 @@
           <a:p>
             <a:fld id="{F5C83B3B-F4D8-A846-95D1-49CF927F713A}" type="datetimeFigureOut">
               <a:rPr lang="en-US" smtClean="0"/>
-              <a:t>4/25/17</a:t>
+              <a:t>4/26/17</a:t>
             </a:fld>
             <a:endParaRPr lang="en-US"/>
           </a:p>
@@ -4902,7 +4902,7 @@
           <a:p>
             <a:fld id="{F5C83B3B-F4D8-A846-95D1-49CF927F713A}" type="datetimeFigureOut">
               <a:rPr lang="en-US" smtClean="0"/>
-              <a:t>4/25/17</a:t>
+              <a:t>4/26/17</a:t>
             </a:fld>
             <a:endParaRPr lang="en-US"/>
           </a:p>
@@ -5134,7 +5134,7 @@
           <a:p>
             <a:fld id="{F5C83B3B-F4D8-A846-95D1-49CF927F713A}" type="datetimeFigureOut">
               <a:rPr lang="en-US" smtClean="0"/>
-              <a:t>4/25/17</a:t>
+              <a:t>4/26/17</a:t>
             </a:fld>
             <a:endParaRPr lang="en-US"/>
           </a:p>
@@ -5501,7 +5501,7 @@
           <a:p>
             <a:fld id="{F5C83B3B-F4D8-A846-95D1-49CF927F713A}" type="datetimeFigureOut">
               <a:rPr lang="en-US" smtClean="0"/>
-              <a:t>4/25/17</a:t>
+              <a:t>4/26/17</a:t>
             </a:fld>
             <a:endParaRPr lang="en-US"/>
           </a:p>
@@ -5619,7 +5619,7 @@
           <a:p>
             <a:fld id="{F5C83B3B-F4D8-A846-95D1-49CF927F713A}" type="datetimeFigureOut">
               <a:rPr lang="en-US" smtClean="0"/>
-              <a:t>4/25/17</a:t>
+              <a:t>4/26/17</a:t>
             </a:fld>
             <a:endParaRPr lang="en-US"/>
           </a:p>
@@ -5714,7 +5714,7 @@
           <a:p>
             <a:fld id="{F5C83B3B-F4D8-A846-95D1-49CF927F713A}" type="datetimeFigureOut">
               <a:rPr lang="en-US" smtClean="0"/>
-              <a:t>4/25/17</a:t>
+              <a:t>4/26/17</a:t>
             </a:fld>
             <a:endParaRPr lang="en-US"/>
           </a:p>
@@ -5991,7 +5991,7 @@
           <a:p>
             <a:fld id="{F5C83B3B-F4D8-A846-95D1-49CF927F713A}" type="datetimeFigureOut">
               <a:rPr lang="en-US" smtClean="0"/>
-              <a:t>4/25/17</a:t>
+              <a:t>4/26/17</a:t>
             </a:fld>
             <a:endParaRPr lang="en-US"/>
           </a:p>
@@ -6244,7 +6244,7 @@
           <a:p>
             <a:fld id="{F5C83B3B-F4D8-A846-95D1-49CF927F713A}" type="datetimeFigureOut">
               <a:rPr lang="en-US" smtClean="0"/>
-              <a:t>4/25/17</a:t>
+              <a:t>4/26/17</a:t>
             </a:fld>
             <a:endParaRPr lang="en-US"/>
           </a:p>
@@ -6457,7 +6457,7 @@
           <a:p>
             <a:fld id="{F5C83B3B-F4D8-A846-95D1-49CF927F713A}" type="datetimeFigureOut">
               <a:rPr lang="en-US" smtClean="0"/>
-              <a:t>4/25/17</a:t>
+              <a:t>4/26/17</a:t>
             </a:fld>
             <a:endParaRPr lang="en-US"/>
           </a:p>
@@ -18231,13 +18231,10 @@
               <a:t>Switch your application to </a:t>
             </a:r>
             <a:r>
-              <a:rPr lang="en-US" dirty="0" err="1" smtClean="0"/>
-              <a:t>squeel</a:t>
-            </a:r>
-            <a:r>
-              <a:rPr lang="en-US" dirty="0" smtClean="0"/>
-              <a:t>?</a:t>
-            </a:r>
+              <a:rPr lang="en-US" dirty="0"/>
+              <a:t>sequel?</a:t>
+            </a:r>
+            <a:endParaRPr lang="en-US" dirty="0" smtClean="0"/>
           </a:p>
         </p:txBody>
       </p:sp>

--- a/presentations/railsconf/2017/reporting_on_rails.pptx
+++ b/presentations/railsconf/2017/reporting_on_rails.pptx
@@ -238,7 +238,7 @@
           <a:p>
             <a:fld id="{E18864BC-3F83-194B-8291-5A25597A9563}" type="datetimeFigureOut">
               <a:rPr lang="en-US" smtClean="0"/>
-              <a:t>4/26/17</a:t>
+              <a:t>4/27/17</a:t>
             </a:fld>
             <a:endParaRPr lang="en-US"/>
           </a:p>
@@ -403,7 +403,7 @@
           <a:p>
             <a:fld id="{83E7C617-CD75-1346-B314-03A29C3CAA7B}" type="datetimeFigureOut">
               <a:rPr lang="en-US" smtClean="0"/>
-              <a:t>4/26/17</a:t>
+              <a:t>4/27/17</a:t>
             </a:fld>
             <a:endParaRPr lang="en-US"/>
           </a:p>
@@ -2284,19 +2284,11 @@
           <a:p>
             <a:r>
               <a:rPr lang="en-US" dirty="0" smtClean="0"/>
-              <a:t>Switch your application to </a:t>
-            </a:r>
-            <a:r>
-              <a:rPr lang="en-US" dirty="0" smtClean="0"/>
-              <a:t>sequel?</a:t>
+              <a:t>Switch your application to sequel?</a:t>
             </a:r>
             <a:r>
               <a:rPr lang="en-US" baseline="0" dirty="0" smtClean="0"/>
-              <a:t> </a:t>
-            </a:r>
-            <a:r>
-              <a:rPr lang="en-US" baseline="0" dirty="0" smtClean="0"/>
-              <a:t>- </a:t>
+              <a:t> - </a:t>
             </a:r>
             <a:r>
               <a:rPr lang="en-US" dirty="0" smtClean="0"/>
@@ -2773,7 +2765,15 @@
           <a:p>
             <a:r>
               <a:rPr lang="en-US" baseline="0" dirty="0" smtClean="0"/>
-              <a:t>Bill optimization, procurement and tier 1 tech support</a:t>
+              <a:t>Bill optimization</a:t>
+            </a:r>
+            <a:r>
+              <a:rPr lang="en-US" baseline="0" dirty="0" smtClean="0"/>
+              <a:t>, device </a:t>
+            </a:r>
+            <a:r>
+              <a:rPr lang="en-US" baseline="0" dirty="0" smtClean="0"/>
+              <a:t>procurement and tier 1 tech support</a:t>
             </a:r>
             <a:endParaRPr lang="en-US" dirty="0"/>
           </a:p>
@@ -4136,7 +4136,7 @@
           <a:p>
             <a:fld id="{F5C83B3B-F4D8-A846-95D1-49CF927F713A}" type="datetimeFigureOut">
               <a:rPr lang="en-US" smtClean="0"/>
-              <a:t>4/26/17</a:t>
+              <a:t>4/27/17</a:t>
             </a:fld>
             <a:endParaRPr lang="en-US"/>
           </a:p>
@@ -4306,7 +4306,7 @@
           <a:p>
             <a:fld id="{F5C83B3B-F4D8-A846-95D1-49CF927F713A}" type="datetimeFigureOut">
               <a:rPr lang="en-US" smtClean="0"/>
-              <a:t>4/26/17</a:t>
+              <a:t>4/27/17</a:t>
             </a:fld>
             <a:endParaRPr lang="en-US"/>
           </a:p>
@@ -4486,7 +4486,7 @@
           <a:p>
             <a:fld id="{F5C83B3B-F4D8-A846-95D1-49CF927F713A}" type="datetimeFigureOut">
               <a:rPr lang="en-US" smtClean="0"/>
-              <a:t>4/26/17</a:t>
+              <a:t>4/27/17</a:t>
             </a:fld>
             <a:endParaRPr lang="en-US"/>
           </a:p>
@@ -4656,7 +4656,7 @@
           <a:p>
             <a:fld id="{F5C83B3B-F4D8-A846-95D1-49CF927F713A}" type="datetimeFigureOut">
               <a:rPr lang="en-US" smtClean="0"/>
-              <a:t>4/26/17</a:t>
+              <a:t>4/27/17</a:t>
             </a:fld>
             <a:endParaRPr lang="en-US"/>
           </a:p>
@@ -4902,7 +4902,7 @@
           <a:p>
             <a:fld id="{F5C83B3B-F4D8-A846-95D1-49CF927F713A}" type="datetimeFigureOut">
               <a:rPr lang="en-US" smtClean="0"/>
-              <a:t>4/26/17</a:t>
+              <a:t>4/27/17</a:t>
             </a:fld>
             <a:endParaRPr lang="en-US"/>
           </a:p>
@@ -5134,7 +5134,7 @@
           <a:p>
             <a:fld id="{F5C83B3B-F4D8-A846-95D1-49CF927F713A}" type="datetimeFigureOut">
               <a:rPr lang="en-US" smtClean="0"/>
-              <a:t>4/26/17</a:t>
+              <a:t>4/27/17</a:t>
             </a:fld>
             <a:endParaRPr lang="en-US"/>
           </a:p>
@@ -5501,7 +5501,7 @@
           <a:p>
             <a:fld id="{F5C83B3B-F4D8-A846-95D1-49CF927F713A}" type="datetimeFigureOut">
               <a:rPr lang="en-US" smtClean="0"/>
-              <a:t>4/26/17</a:t>
+              <a:t>4/27/17</a:t>
             </a:fld>
             <a:endParaRPr lang="en-US"/>
           </a:p>
@@ -5619,7 +5619,7 @@
           <a:p>
             <a:fld id="{F5C83B3B-F4D8-A846-95D1-49CF927F713A}" type="datetimeFigureOut">
               <a:rPr lang="en-US" smtClean="0"/>
-              <a:t>4/26/17</a:t>
+              <a:t>4/27/17</a:t>
             </a:fld>
             <a:endParaRPr lang="en-US"/>
           </a:p>
@@ -5714,7 +5714,7 @@
           <a:p>
             <a:fld id="{F5C83B3B-F4D8-A846-95D1-49CF927F713A}" type="datetimeFigureOut">
               <a:rPr lang="en-US" smtClean="0"/>
-              <a:t>4/26/17</a:t>
+              <a:t>4/27/17</a:t>
             </a:fld>
             <a:endParaRPr lang="en-US"/>
           </a:p>
@@ -5991,7 +5991,7 @@
           <a:p>
             <a:fld id="{F5C83B3B-F4D8-A846-95D1-49CF927F713A}" type="datetimeFigureOut">
               <a:rPr lang="en-US" smtClean="0"/>
-              <a:t>4/26/17</a:t>
+              <a:t>4/27/17</a:t>
             </a:fld>
             <a:endParaRPr lang="en-US"/>
           </a:p>
@@ -6244,7 +6244,7 @@
           <a:p>
             <a:fld id="{F5C83B3B-F4D8-A846-95D1-49CF927F713A}" type="datetimeFigureOut">
               <a:rPr lang="en-US" smtClean="0"/>
-              <a:t>4/26/17</a:t>
+              <a:t>4/27/17</a:t>
             </a:fld>
             <a:endParaRPr lang="en-US"/>
           </a:p>
@@ -6457,7 +6457,7 @@
           <a:p>
             <a:fld id="{F5C83B3B-F4D8-A846-95D1-49CF927F713A}" type="datetimeFigureOut">
               <a:rPr lang="en-US" smtClean="0"/>
-              <a:t>4/26/17</a:t>
+              <a:t>4/27/17</a:t>
             </a:fld>
             <a:endParaRPr lang="en-US"/>
           </a:p>
@@ -22824,8 +22824,13 @@
           <a:p>
             <a:r>
               <a:rPr lang="en-US" dirty="0"/>
-              <a:t>Index liberally where needed</a:t>
-            </a:r>
+              <a:t>Index </a:t>
+            </a:r>
+            <a:r>
+              <a:rPr lang="en-US" dirty="0" smtClean="0"/>
+              <a:t>wisely</a:t>
+            </a:r>
+            <a:endParaRPr lang="en-US" dirty="0"/>
           </a:p>
           <a:p>
             <a:pPr lvl="1"/>
